--- a/ppt 16-9/1129.你当预备迎见.pptx
+++ b/ppt 16-9/1129.你当预备迎见.pptx
@@ -129,7 +129,7 @@
           <p:cNvPr id="2" name="标题 1">
             <a:extLst>
               <a:ext uri="{FF2B5EF4-FFF2-40B4-BE49-F238E27FC236}">
-                <a16:creationId xmlns:a16="http://schemas.microsoft.com/office/drawing/2014/main" id="{612AE2B1-85AE-E4CF-5080-071F710ECB52}"/>
+                <a16:creationId xmlns:a16="http://schemas.microsoft.com/office/drawing/2014/main" id="{7CF59D84-E9A1-55AC-B1DF-D4046914206A}"/>
               </a:ext>
             </a:extLst>
           </p:cNvPr>
@@ -166,7 +166,7 @@
           <p:cNvPr id="3" name="副标题 2">
             <a:extLst>
               <a:ext uri="{FF2B5EF4-FFF2-40B4-BE49-F238E27FC236}">
-                <a16:creationId xmlns:a16="http://schemas.microsoft.com/office/drawing/2014/main" id="{57D25FA6-0A2E-F9AE-970E-8FF3FDB93A81}"/>
+                <a16:creationId xmlns:a16="http://schemas.microsoft.com/office/drawing/2014/main" id="{F7208804-5520-6952-3A25-01A731ADC53D}"/>
               </a:ext>
             </a:extLst>
           </p:cNvPr>
@@ -236,7 +236,7 @@
           <p:cNvPr id="4" name="日期占位符 3">
             <a:extLst>
               <a:ext uri="{FF2B5EF4-FFF2-40B4-BE49-F238E27FC236}">
-                <a16:creationId xmlns:a16="http://schemas.microsoft.com/office/drawing/2014/main" id="{8260F54B-04B9-7DF1-6A2B-8F449E41B0D6}"/>
+                <a16:creationId xmlns:a16="http://schemas.microsoft.com/office/drawing/2014/main" id="{5A218F48-1938-74A6-AB0A-31BF0A29CF6D}"/>
               </a:ext>
             </a:extLst>
           </p:cNvPr>
@@ -252,7 +252,7 @@
           <a:bodyPr/>
           <a:lstStyle/>
           <a:p>
-            <a:fld id="{2108A551-8173-4A48-8946-40B3C104A28D}" type="datetimeFigureOut">
+            <a:fld id="{2798170A-CF87-4381-9667-595D74A4D38D}" type="datetimeFigureOut">
               <a:rPr lang="zh-CN" altLang="en-US" smtClean="0"/>
               <a:t>2024/3/10</a:t>
             </a:fld>
@@ -265,7 +265,7 @@
           <p:cNvPr id="5" name="页脚占位符 4">
             <a:extLst>
               <a:ext uri="{FF2B5EF4-FFF2-40B4-BE49-F238E27FC236}">
-                <a16:creationId xmlns:a16="http://schemas.microsoft.com/office/drawing/2014/main" id="{7DAB44BC-1AD8-B29D-10B9-117C4BF84419}"/>
+                <a16:creationId xmlns:a16="http://schemas.microsoft.com/office/drawing/2014/main" id="{7F678143-7249-B94E-FBE9-844451DB7B5C}"/>
               </a:ext>
             </a:extLst>
           </p:cNvPr>
@@ -290,7 +290,7 @@
           <p:cNvPr id="6" name="灯片编号占位符 5">
             <a:extLst>
               <a:ext uri="{FF2B5EF4-FFF2-40B4-BE49-F238E27FC236}">
-                <a16:creationId xmlns:a16="http://schemas.microsoft.com/office/drawing/2014/main" id="{EBD8DA0C-8EF6-9F4A-F428-1F1C06E3A268}"/>
+                <a16:creationId xmlns:a16="http://schemas.microsoft.com/office/drawing/2014/main" id="{FB8D9AF3-FD97-EDE3-29D6-B34067FEB428}"/>
               </a:ext>
             </a:extLst>
           </p:cNvPr>
@@ -306,7 +306,7 @@
           <a:bodyPr/>
           <a:lstStyle/>
           <a:p>
-            <a:fld id="{15902C82-0408-4C13-AD6D-FE46FC884DDD}" type="slidenum">
+            <a:fld id="{EA186331-690F-4B60-A2FE-A282A0034E31}" type="slidenum">
               <a:rPr lang="zh-CN" altLang="en-US" smtClean="0"/>
               <a:t>‹#›</a:t>
             </a:fld>
@@ -317,7 +317,7 @@
     </p:spTree>
     <p:extLst>
       <p:ext uri="{BB962C8B-B14F-4D97-AF65-F5344CB8AC3E}">
-        <p14:creationId xmlns:p14="http://schemas.microsoft.com/office/powerpoint/2010/main" val="2470077985"/>
+        <p14:creationId xmlns:p14="http://schemas.microsoft.com/office/powerpoint/2010/main" val="1604404126"/>
       </p:ext>
     </p:extLst>
   </p:cSld>
@@ -349,7 +349,7 @@
           <p:cNvPr id="2" name="标题 1">
             <a:extLst>
               <a:ext uri="{FF2B5EF4-FFF2-40B4-BE49-F238E27FC236}">
-                <a16:creationId xmlns:a16="http://schemas.microsoft.com/office/drawing/2014/main" id="{4EBD133F-A3EE-5DE2-4E40-9A41EF26B79F}"/>
+                <a16:creationId xmlns:a16="http://schemas.microsoft.com/office/drawing/2014/main" id="{2F1F61AA-5BF9-D2C3-91E5-47CB35378DD6}"/>
               </a:ext>
             </a:extLst>
           </p:cNvPr>
@@ -377,7 +377,7 @@
           <p:cNvPr id="3" name="竖排文字占位符 2">
             <a:extLst>
               <a:ext uri="{FF2B5EF4-FFF2-40B4-BE49-F238E27FC236}">
-                <a16:creationId xmlns:a16="http://schemas.microsoft.com/office/drawing/2014/main" id="{BF83DC07-1603-0CBF-5F31-B345445117C0}"/>
+                <a16:creationId xmlns:a16="http://schemas.microsoft.com/office/drawing/2014/main" id="{E8639CEA-8CB2-383D-3CA6-C3367CB13B34}"/>
               </a:ext>
             </a:extLst>
           </p:cNvPr>
@@ -434,7 +434,7 @@
           <p:cNvPr id="4" name="日期占位符 3">
             <a:extLst>
               <a:ext uri="{FF2B5EF4-FFF2-40B4-BE49-F238E27FC236}">
-                <a16:creationId xmlns:a16="http://schemas.microsoft.com/office/drawing/2014/main" id="{75A0D830-92A9-1969-D97A-C20555701AF5}"/>
+                <a16:creationId xmlns:a16="http://schemas.microsoft.com/office/drawing/2014/main" id="{525A870E-BB83-F54D-02B5-AC4B2A527B35}"/>
               </a:ext>
             </a:extLst>
           </p:cNvPr>
@@ -450,7 +450,7 @@
           <a:bodyPr/>
           <a:lstStyle/>
           <a:p>
-            <a:fld id="{2108A551-8173-4A48-8946-40B3C104A28D}" type="datetimeFigureOut">
+            <a:fld id="{2798170A-CF87-4381-9667-595D74A4D38D}" type="datetimeFigureOut">
               <a:rPr lang="zh-CN" altLang="en-US" smtClean="0"/>
               <a:t>2024/3/10</a:t>
             </a:fld>
@@ -463,7 +463,7 @@
           <p:cNvPr id="5" name="页脚占位符 4">
             <a:extLst>
               <a:ext uri="{FF2B5EF4-FFF2-40B4-BE49-F238E27FC236}">
-                <a16:creationId xmlns:a16="http://schemas.microsoft.com/office/drawing/2014/main" id="{8085E5FB-F687-A1AB-AB7C-5B7E6F35E495}"/>
+                <a16:creationId xmlns:a16="http://schemas.microsoft.com/office/drawing/2014/main" id="{BCA7076F-2DE3-3D49-2DFD-4673FC7AAAFC}"/>
               </a:ext>
             </a:extLst>
           </p:cNvPr>
@@ -488,7 +488,7 @@
           <p:cNvPr id="6" name="灯片编号占位符 5">
             <a:extLst>
               <a:ext uri="{FF2B5EF4-FFF2-40B4-BE49-F238E27FC236}">
-                <a16:creationId xmlns:a16="http://schemas.microsoft.com/office/drawing/2014/main" id="{031B6638-A197-B684-C495-7E93E3C4E8F1}"/>
+                <a16:creationId xmlns:a16="http://schemas.microsoft.com/office/drawing/2014/main" id="{9EA898AF-1AF2-EC8A-2892-1EE3D8082CC6}"/>
               </a:ext>
             </a:extLst>
           </p:cNvPr>
@@ -504,7 +504,7 @@
           <a:bodyPr/>
           <a:lstStyle/>
           <a:p>
-            <a:fld id="{15902C82-0408-4C13-AD6D-FE46FC884DDD}" type="slidenum">
+            <a:fld id="{EA186331-690F-4B60-A2FE-A282A0034E31}" type="slidenum">
               <a:rPr lang="zh-CN" altLang="en-US" smtClean="0"/>
               <a:t>‹#›</a:t>
             </a:fld>
@@ -515,7 +515,7 @@
     </p:spTree>
     <p:extLst>
       <p:ext uri="{BB962C8B-B14F-4D97-AF65-F5344CB8AC3E}">
-        <p14:creationId xmlns:p14="http://schemas.microsoft.com/office/powerpoint/2010/main" val="2301983902"/>
+        <p14:creationId xmlns:p14="http://schemas.microsoft.com/office/powerpoint/2010/main" val="2265240868"/>
       </p:ext>
     </p:extLst>
   </p:cSld>
@@ -547,7 +547,7 @@
           <p:cNvPr id="2" name="竖排标题 1">
             <a:extLst>
               <a:ext uri="{FF2B5EF4-FFF2-40B4-BE49-F238E27FC236}">
-                <a16:creationId xmlns:a16="http://schemas.microsoft.com/office/drawing/2014/main" id="{E81123D2-9474-B475-3123-E93B2D6D08D5}"/>
+                <a16:creationId xmlns:a16="http://schemas.microsoft.com/office/drawing/2014/main" id="{E0E89FAB-FB35-FD69-860B-40D57765960C}"/>
               </a:ext>
             </a:extLst>
           </p:cNvPr>
@@ -580,7 +580,7 @@
           <p:cNvPr id="3" name="竖排文字占位符 2">
             <a:extLst>
               <a:ext uri="{FF2B5EF4-FFF2-40B4-BE49-F238E27FC236}">
-                <a16:creationId xmlns:a16="http://schemas.microsoft.com/office/drawing/2014/main" id="{B099A776-B06A-B5F6-2701-28F9146EA133}"/>
+                <a16:creationId xmlns:a16="http://schemas.microsoft.com/office/drawing/2014/main" id="{33CD5DE3-8A06-4EA9-6B87-E149729F3110}"/>
               </a:ext>
             </a:extLst>
           </p:cNvPr>
@@ -642,7 +642,7 @@
           <p:cNvPr id="4" name="日期占位符 3">
             <a:extLst>
               <a:ext uri="{FF2B5EF4-FFF2-40B4-BE49-F238E27FC236}">
-                <a16:creationId xmlns:a16="http://schemas.microsoft.com/office/drawing/2014/main" id="{3641D98C-27DB-80AE-AB38-00193BB6AC41}"/>
+                <a16:creationId xmlns:a16="http://schemas.microsoft.com/office/drawing/2014/main" id="{981781F1-FE3C-D222-65B4-3E6DCB7C3F54}"/>
               </a:ext>
             </a:extLst>
           </p:cNvPr>
@@ -658,7 +658,7 @@
           <a:bodyPr/>
           <a:lstStyle/>
           <a:p>
-            <a:fld id="{2108A551-8173-4A48-8946-40B3C104A28D}" type="datetimeFigureOut">
+            <a:fld id="{2798170A-CF87-4381-9667-595D74A4D38D}" type="datetimeFigureOut">
               <a:rPr lang="zh-CN" altLang="en-US" smtClean="0"/>
               <a:t>2024/3/10</a:t>
             </a:fld>
@@ -671,7 +671,7 @@
           <p:cNvPr id="5" name="页脚占位符 4">
             <a:extLst>
               <a:ext uri="{FF2B5EF4-FFF2-40B4-BE49-F238E27FC236}">
-                <a16:creationId xmlns:a16="http://schemas.microsoft.com/office/drawing/2014/main" id="{62C84461-368B-5F9F-6414-53C93DF38580}"/>
+                <a16:creationId xmlns:a16="http://schemas.microsoft.com/office/drawing/2014/main" id="{25896C1E-2A5F-526C-CF29-7254F0B3D305}"/>
               </a:ext>
             </a:extLst>
           </p:cNvPr>
@@ -696,7 +696,7 @@
           <p:cNvPr id="6" name="灯片编号占位符 5">
             <a:extLst>
               <a:ext uri="{FF2B5EF4-FFF2-40B4-BE49-F238E27FC236}">
-                <a16:creationId xmlns:a16="http://schemas.microsoft.com/office/drawing/2014/main" id="{65645CB5-D9DB-AFA1-9877-0EF19FFA8FCE}"/>
+                <a16:creationId xmlns:a16="http://schemas.microsoft.com/office/drawing/2014/main" id="{E3837985-C200-2F73-7CEB-FB41016C3811}"/>
               </a:ext>
             </a:extLst>
           </p:cNvPr>
@@ -712,7 +712,7 @@
           <a:bodyPr/>
           <a:lstStyle/>
           <a:p>
-            <a:fld id="{15902C82-0408-4C13-AD6D-FE46FC884DDD}" type="slidenum">
+            <a:fld id="{EA186331-690F-4B60-A2FE-A282A0034E31}" type="slidenum">
               <a:rPr lang="zh-CN" altLang="en-US" smtClean="0"/>
               <a:t>‹#›</a:t>
             </a:fld>
@@ -723,7 +723,7 @@
     </p:spTree>
     <p:extLst>
       <p:ext uri="{BB962C8B-B14F-4D97-AF65-F5344CB8AC3E}">
-        <p14:creationId xmlns:p14="http://schemas.microsoft.com/office/powerpoint/2010/main" val="2202502925"/>
+        <p14:creationId xmlns:p14="http://schemas.microsoft.com/office/powerpoint/2010/main" val="708198861"/>
       </p:ext>
     </p:extLst>
   </p:cSld>
@@ -755,7 +755,7 @@
           <p:cNvPr id="2" name="标题 1">
             <a:extLst>
               <a:ext uri="{FF2B5EF4-FFF2-40B4-BE49-F238E27FC236}">
-                <a16:creationId xmlns:a16="http://schemas.microsoft.com/office/drawing/2014/main" id="{9ED1C194-ABA0-37CF-AF7C-04B7F0C82564}"/>
+                <a16:creationId xmlns:a16="http://schemas.microsoft.com/office/drawing/2014/main" id="{B33AE8B6-2EBD-023D-B1B0-6EDB62AC5CA2}"/>
               </a:ext>
             </a:extLst>
           </p:cNvPr>
@@ -783,7 +783,7 @@
           <p:cNvPr id="3" name="内容占位符 2">
             <a:extLst>
               <a:ext uri="{FF2B5EF4-FFF2-40B4-BE49-F238E27FC236}">
-                <a16:creationId xmlns:a16="http://schemas.microsoft.com/office/drawing/2014/main" id="{272BE763-3836-7948-8C41-60A02B8A47E0}"/>
+                <a16:creationId xmlns:a16="http://schemas.microsoft.com/office/drawing/2014/main" id="{11CB44CE-9097-3C3A-7607-41E0A560825E}"/>
               </a:ext>
             </a:extLst>
           </p:cNvPr>
@@ -840,7 +840,7 @@
           <p:cNvPr id="4" name="日期占位符 3">
             <a:extLst>
               <a:ext uri="{FF2B5EF4-FFF2-40B4-BE49-F238E27FC236}">
-                <a16:creationId xmlns:a16="http://schemas.microsoft.com/office/drawing/2014/main" id="{ECF6D9F4-CFBD-F4B5-58C1-D03A1C68332F}"/>
+                <a16:creationId xmlns:a16="http://schemas.microsoft.com/office/drawing/2014/main" id="{4EA8C9A5-B771-B29F-8690-30C452B52F13}"/>
               </a:ext>
             </a:extLst>
           </p:cNvPr>
@@ -856,7 +856,7 @@
           <a:bodyPr/>
           <a:lstStyle/>
           <a:p>
-            <a:fld id="{2108A551-8173-4A48-8946-40B3C104A28D}" type="datetimeFigureOut">
+            <a:fld id="{2798170A-CF87-4381-9667-595D74A4D38D}" type="datetimeFigureOut">
               <a:rPr lang="zh-CN" altLang="en-US" smtClean="0"/>
               <a:t>2024/3/10</a:t>
             </a:fld>
@@ -869,7 +869,7 @@
           <p:cNvPr id="5" name="页脚占位符 4">
             <a:extLst>
               <a:ext uri="{FF2B5EF4-FFF2-40B4-BE49-F238E27FC236}">
-                <a16:creationId xmlns:a16="http://schemas.microsoft.com/office/drawing/2014/main" id="{3CD9CB73-C2E5-17F8-410A-D845A2DAFA17}"/>
+                <a16:creationId xmlns:a16="http://schemas.microsoft.com/office/drawing/2014/main" id="{92A04296-9D87-ECAF-73E1-DCE1E8BD86B6}"/>
               </a:ext>
             </a:extLst>
           </p:cNvPr>
@@ -894,7 +894,7 @@
           <p:cNvPr id="6" name="灯片编号占位符 5">
             <a:extLst>
               <a:ext uri="{FF2B5EF4-FFF2-40B4-BE49-F238E27FC236}">
-                <a16:creationId xmlns:a16="http://schemas.microsoft.com/office/drawing/2014/main" id="{8D42B01C-EBD0-2DDA-7951-8B45BC3A1020}"/>
+                <a16:creationId xmlns:a16="http://schemas.microsoft.com/office/drawing/2014/main" id="{DC4994EC-28C2-25C5-3EE8-3B9EF9ED504C}"/>
               </a:ext>
             </a:extLst>
           </p:cNvPr>
@@ -910,7 +910,7 @@
           <a:bodyPr/>
           <a:lstStyle/>
           <a:p>
-            <a:fld id="{15902C82-0408-4C13-AD6D-FE46FC884DDD}" type="slidenum">
+            <a:fld id="{EA186331-690F-4B60-A2FE-A282A0034E31}" type="slidenum">
               <a:rPr lang="zh-CN" altLang="en-US" smtClean="0"/>
               <a:t>‹#›</a:t>
             </a:fld>
@@ -921,7 +921,7 @@
     </p:spTree>
     <p:extLst>
       <p:ext uri="{BB962C8B-B14F-4D97-AF65-F5344CB8AC3E}">
-        <p14:creationId xmlns:p14="http://schemas.microsoft.com/office/powerpoint/2010/main" val="3199421375"/>
+        <p14:creationId xmlns:p14="http://schemas.microsoft.com/office/powerpoint/2010/main" val="947944400"/>
       </p:ext>
     </p:extLst>
   </p:cSld>
@@ -953,7 +953,7 @@
           <p:cNvPr id="2" name="标题 1">
             <a:extLst>
               <a:ext uri="{FF2B5EF4-FFF2-40B4-BE49-F238E27FC236}">
-                <a16:creationId xmlns:a16="http://schemas.microsoft.com/office/drawing/2014/main" id="{E0507D81-4541-A1CB-4E4A-E06B4B90A0F0}"/>
+                <a16:creationId xmlns:a16="http://schemas.microsoft.com/office/drawing/2014/main" id="{6BAD76EB-87E9-7604-D97D-77B1A0FE2E81}"/>
               </a:ext>
             </a:extLst>
           </p:cNvPr>
@@ -990,7 +990,7 @@
           <p:cNvPr id="3" name="文本占位符 2">
             <a:extLst>
               <a:ext uri="{FF2B5EF4-FFF2-40B4-BE49-F238E27FC236}">
-                <a16:creationId xmlns:a16="http://schemas.microsoft.com/office/drawing/2014/main" id="{7FC27D86-88E2-0154-5DB8-F1F89B71717F}"/>
+                <a16:creationId xmlns:a16="http://schemas.microsoft.com/office/drawing/2014/main" id="{652A2C2F-4BF3-421F-029F-4ACD14195777}"/>
               </a:ext>
             </a:extLst>
           </p:cNvPr>
@@ -1115,7 +1115,7 @@
           <p:cNvPr id="4" name="日期占位符 3">
             <a:extLst>
               <a:ext uri="{FF2B5EF4-FFF2-40B4-BE49-F238E27FC236}">
-                <a16:creationId xmlns:a16="http://schemas.microsoft.com/office/drawing/2014/main" id="{20C54313-2125-1FC0-9E64-18A2A1D3350E}"/>
+                <a16:creationId xmlns:a16="http://schemas.microsoft.com/office/drawing/2014/main" id="{3FCA9345-F718-BBF2-7302-FC572327B477}"/>
               </a:ext>
             </a:extLst>
           </p:cNvPr>
@@ -1131,7 +1131,7 @@
           <a:bodyPr/>
           <a:lstStyle/>
           <a:p>
-            <a:fld id="{2108A551-8173-4A48-8946-40B3C104A28D}" type="datetimeFigureOut">
+            <a:fld id="{2798170A-CF87-4381-9667-595D74A4D38D}" type="datetimeFigureOut">
               <a:rPr lang="zh-CN" altLang="en-US" smtClean="0"/>
               <a:t>2024/3/10</a:t>
             </a:fld>
@@ -1144,7 +1144,7 @@
           <p:cNvPr id="5" name="页脚占位符 4">
             <a:extLst>
               <a:ext uri="{FF2B5EF4-FFF2-40B4-BE49-F238E27FC236}">
-                <a16:creationId xmlns:a16="http://schemas.microsoft.com/office/drawing/2014/main" id="{8DEEBA4B-5528-1A57-B8A9-F72885F6F81A}"/>
+                <a16:creationId xmlns:a16="http://schemas.microsoft.com/office/drawing/2014/main" id="{A476F777-14FA-42F5-854C-4C1111915D57}"/>
               </a:ext>
             </a:extLst>
           </p:cNvPr>
@@ -1169,7 +1169,7 @@
           <p:cNvPr id="6" name="灯片编号占位符 5">
             <a:extLst>
               <a:ext uri="{FF2B5EF4-FFF2-40B4-BE49-F238E27FC236}">
-                <a16:creationId xmlns:a16="http://schemas.microsoft.com/office/drawing/2014/main" id="{5B0B9A6E-D107-833E-E695-14A7E5EF35E4}"/>
+                <a16:creationId xmlns:a16="http://schemas.microsoft.com/office/drawing/2014/main" id="{DAF6AFD5-C80F-C99C-AFF0-75ECAD7CE3AA}"/>
               </a:ext>
             </a:extLst>
           </p:cNvPr>
@@ -1185,7 +1185,7 @@
           <a:bodyPr/>
           <a:lstStyle/>
           <a:p>
-            <a:fld id="{15902C82-0408-4C13-AD6D-FE46FC884DDD}" type="slidenum">
+            <a:fld id="{EA186331-690F-4B60-A2FE-A282A0034E31}" type="slidenum">
               <a:rPr lang="zh-CN" altLang="en-US" smtClean="0"/>
               <a:t>‹#›</a:t>
             </a:fld>
@@ -1196,7 +1196,7 @@
     </p:spTree>
     <p:extLst>
       <p:ext uri="{BB962C8B-B14F-4D97-AF65-F5344CB8AC3E}">
-        <p14:creationId xmlns:p14="http://schemas.microsoft.com/office/powerpoint/2010/main" val="2033107538"/>
+        <p14:creationId xmlns:p14="http://schemas.microsoft.com/office/powerpoint/2010/main" val="3011962915"/>
       </p:ext>
     </p:extLst>
   </p:cSld>
@@ -1228,7 +1228,7 @@
           <p:cNvPr id="2" name="标题 1">
             <a:extLst>
               <a:ext uri="{FF2B5EF4-FFF2-40B4-BE49-F238E27FC236}">
-                <a16:creationId xmlns:a16="http://schemas.microsoft.com/office/drawing/2014/main" id="{5697AE04-8387-0481-8398-7E16B2E22942}"/>
+                <a16:creationId xmlns:a16="http://schemas.microsoft.com/office/drawing/2014/main" id="{85CA1B21-3B4B-E534-5DF2-AD1C7BF474BA}"/>
               </a:ext>
             </a:extLst>
           </p:cNvPr>
@@ -1256,7 +1256,7 @@
           <p:cNvPr id="3" name="内容占位符 2">
             <a:extLst>
               <a:ext uri="{FF2B5EF4-FFF2-40B4-BE49-F238E27FC236}">
-                <a16:creationId xmlns:a16="http://schemas.microsoft.com/office/drawing/2014/main" id="{4B01990E-9EFF-A9CC-7B6E-7527D6D473FC}"/>
+                <a16:creationId xmlns:a16="http://schemas.microsoft.com/office/drawing/2014/main" id="{0A4FF882-C128-EC45-057A-99EC01314EA5}"/>
               </a:ext>
             </a:extLst>
           </p:cNvPr>
@@ -1318,7 +1318,7 @@
           <p:cNvPr id="4" name="内容占位符 3">
             <a:extLst>
               <a:ext uri="{FF2B5EF4-FFF2-40B4-BE49-F238E27FC236}">
-                <a16:creationId xmlns:a16="http://schemas.microsoft.com/office/drawing/2014/main" id="{92605CCF-E1AD-D339-32F8-D6E89C216273}"/>
+                <a16:creationId xmlns:a16="http://schemas.microsoft.com/office/drawing/2014/main" id="{DAFCEEBC-3097-3E10-6E16-C65718A21293}"/>
               </a:ext>
             </a:extLst>
           </p:cNvPr>
@@ -1380,7 +1380,7 @@
           <p:cNvPr id="5" name="日期占位符 4">
             <a:extLst>
               <a:ext uri="{FF2B5EF4-FFF2-40B4-BE49-F238E27FC236}">
-                <a16:creationId xmlns:a16="http://schemas.microsoft.com/office/drawing/2014/main" id="{75710286-04A5-F04B-6524-4D250049C338}"/>
+                <a16:creationId xmlns:a16="http://schemas.microsoft.com/office/drawing/2014/main" id="{C76CE9CD-DC1F-DA63-E034-D317226FDF08}"/>
               </a:ext>
             </a:extLst>
           </p:cNvPr>
@@ -1396,7 +1396,7 @@
           <a:bodyPr/>
           <a:lstStyle/>
           <a:p>
-            <a:fld id="{2108A551-8173-4A48-8946-40B3C104A28D}" type="datetimeFigureOut">
+            <a:fld id="{2798170A-CF87-4381-9667-595D74A4D38D}" type="datetimeFigureOut">
               <a:rPr lang="zh-CN" altLang="en-US" smtClean="0"/>
               <a:t>2024/3/10</a:t>
             </a:fld>
@@ -1409,7 +1409,7 @@
           <p:cNvPr id="6" name="页脚占位符 5">
             <a:extLst>
               <a:ext uri="{FF2B5EF4-FFF2-40B4-BE49-F238E27FC236}">
-                <a16:creationId xmlns:a16="http://schemas.microsoft.com/office/drawing/2014/main" id="{1971E1DF-DF79-4DDF-85AA-9ABE96AB49AF}"/>
+                <a16:creationId xmlns:a16="http://schemas.microsoft.com/office/drawing/2014/main" id="{9DEEA56F-D430-B97C-D189-DB12750048BE}"/>
               </a:ext>
             </a:extLst>
           </p:cNvPr>
@@ -1434,7 +1434,7 @@
           <p:cNvPr id="7" name="灯片编号占位符 6">
             <a:extLst>
               <a:ext uri="{FF2B5EF4-FFF2-40B4-BE49-F238E27FC236}">
-                <a16:creationId xmlns:a16="http://schemas.microsoft.com/office/drawing/2014/main" id="{0F57CB0D-A39C-0132-4DAC-A149F92D4C87}"/>
+                <a16:creationId xmlns:a16="http://schemas.microsoft.com/office/drawing/2014/main" id="{0D28C9D1-C494-F8A8-917F-9F9FCC54414F}"/>
               </a:ext>
             </a:extLst>
           </p:cNvPr>
@@ -1450,7 +1450,7 @@
           <a:bodyPr/>
           <a:lstStyle/>
           <a:p>
-            <a:fld id="{15902C82-0408-4C13-AD6D-FE46FC884DDD}" type="slidenum">
+            <a:fld id="{EA186331-690F-4B60-A2FE-A282A0034E31}" type="slidenum">
               <a:rPr lang="zh-CN" altLang="en-US" smtClean="0"/>
               <a:t>‹#›</a:t>
             </a:fld>
@@ -1461,7 +1461,7 @@
     </p:spTree>
     <p:extLst>
       <p:ext uri="{BB962C8B-B14F-4D97-AF65-F5344CB8AC3E}">
-        <p14:creationId xmlns:p14="http://schemas.microsoft.com/office/powerpoint/2010/main" val="1089886037"/>
+        <p14:creationId xmlns:p14="http://schemas.microsoft.com/office/powerpoint/2010/main" val="3658664515"/>
       </p:ext>
     </p:extLst>
   </p:cSld>
@@ -1493,7 +1493,7 @@
           <p:cNvPr id="2" name="标题 1">
             <a:extLst>
               <a:ext uri="{FF2B5EF4-FFF2-40B4-BE49-F238E27FC236}">
-                <a16:creationId xmlns:a16="http://schemas.microsoft.com/office/drawing/2014/main" id="{FC4B96C0-77A0-A34C-EF9C-2A8540C5869D}"/>
+                <a16:creationId xmlns:a16="http://schemas.microsoft.com/office/drawing/2014/main" id="{A55B85D1-3DED-C62A-4FBB-3A79578B41B7}"/>
               </a:ext>
             </a:extLst>
           </p:cNvPr>
@@ -1526,7 +1526,7 @@
           <p:cNvPr id="3" name="文本占位符 2">
             <a:extLst>
               <a:ext uri="{FF2B5EF4-FFF2-40B4-BE49-F238E27FC236}">
-                <a16:creationId xmlns:a16="http://schemas.microsoft.com/office/drawing/2014/main" id="{807ABFA1-6A0E-FDB4-3E24-17D33C441C44}"/>
+                <a16:creationId xmlns:a16="http://schemas.microsoft.com/office/drawing/2014/main" id="{2443CDEF-BB69-222E-0BED-2C6311A2B927}"/>
               </a:ext>
             </a:extLst>
           </p:cNvPr>
@@ -1597,7 +1597,7 @@
           <p:cNvPr id="4" name="内容占位符 3">
             <a:extLst>
               <a:ext uri="{FF2B5EF4-FFF2-40B4-BE49-F238E27FC236}">
-                <a16:creationId xmlns:a16="http://schemas.microsoft.com/office/drawing/2014/main" id="{E917A821-50A1-BBB6-ECD7-4E670343CF6B}"/>
+                <a16:creationId xmlns:a16="http://schemas.microsoft.com/office/drawing/2014/main" id="{32FE4EB5-B6E3-02B3-6D33-65649D739C93}"/>
               </a:ext>
             </a:extLst>
           </p:cNvPr>
@@ -1659,7 +1659,7 @@
           <p:cNvPr id="5" name="文本占位符 4">
             <a:extLst>
               <a:ext uri="{FF2B5EF4-FFF2-40B4-BE49-F238E27FC236}">
-                <a16:creationId xmlns:a16="http://schemas.microsoft.com/office/drawing/2014/main" id="{563212FF-859C-6A31-6BB6-4A9EFA89F33E}"/>
+                <a16:creationId xmlns:a16="http://schemas.microsoft.com/office/drawing/2014/main" id="{1D19979B-2517-7AAC-8037-32CF68E0B4A1}"/>
               </a:ext>
             </a:extLst>
           </p:cNvPr>
@@ -1730,7 +1730,7 @@
           <p:cNvPr id="6" name="内容占位符 5">
             <a:extLst>
               <a:ext uri="{FF2B5EF4-FFF2-40B4-BE49-F238E27FC236}">
-                <a16:creationId xmlns:a16="http://schemas.microsoft.com/office/drawing/2014/main" id="{B05F0A5D-1CFA-F777-224D-A65151F6C1C9}"/>
+                <a16:creationId xmlns:a16="http://schemas.microsoft.com/office/drawing/2014/main" id="{03CD93FB-6305-A166-AB9E-E993E2DE07D4}"/>
               </a:ext>
             </a:extLst>
           </p:cNvPr>
@@ -1792,7 +1792,7 @@
           <p:cNvPr id="7" name="日期占位符 6">
             <a:extLst>
               <a:ext uri="{FF2B5EF4-FFF2-40B4-BE49-F238E27FC236}">
-                <a16:creationId xmlns:a16="http://schemas.microsoft.com/office/drawing/2014/main" id="{01BA024A-6E44-5D5A-C79A-399385F6090F}"/>
+                <a16:creationId xmlns:a16="http://schemas.microsoft.com/office/drawing/2014/main" id="{FA471DBC-9FCD-AF75-C3E7-CFAEAB78F5C9}"/>
               </a:ext>
             </a:extLst>
           </p:cNvPr>
@@ -1808,7 +1808,7 @@
           <a:bodyPr/>
           <a:lstStyle/>
           <a:p>
-            <a:fld id="{2108A551-8173-4A48-8946-40B3C104A28D}" type="datetimeFigureOut">
+            <a:fld id="{2798170A-CF87-4381-9667-595D74A4D38D}" type="datetimeFigureOut">
               <a:rPr lang="zh-CN" altLang="en-US" smtClean="0"/>
               <a:t>2024/3/10</a:t>
             </a:fld>
@@ -1821,7 +1821,7 @@
           <p:cNvPr id="8" name="页脚占位符 7">
             <a:extLst>
               <a:ext uri="{FF2B5EF4-FFF2-40B4-BE49-F238E27FC236}">
-                <a16:creationId xmlns:a16="http://schemas.microsoft.com/office/drawing/2014/main" id="{6916D97D-F36A-736F-0D5C-73C01B90E1C9}"/>
+                <a16:creationId xmlns:a16="http://schemas.microsoft.com/office/drawing/2014/main" id="{0B7BB857-0B98-E71C-283C-7B12B9455B7E}"/>
               </a:ext>
             </a:extLst>
           </p:cNvPr>
@@ -1846,7 +1846,7 @@
           <p:cNvPr id="9" name="灯片编号占位符 8">
             <a:extLst>
               <a:ext uri="{FF2B5EF4-FFF2-40B4-BE49-F238E27FC236}">
-                <a16:creationId xmlns:a16="http://schemas.microsoft.com/office/drawing/2014/main" id="{C15A2618-D9EA-5E42-14EA-ADEC35677863}"/>
+                <a16:creationId xmlns:a16="http://schemas.microsoft.com/office/drawing/2014/main" id="{6006A12D-99EA-83F5-704A-ED6A4771E25D}"/>
               </a:ext>
             </a:extLst>
           </p:cNvPr>
@@ -1862,7 +1862,7 @@
           <a:bodyPr/>
           <a:lstStyle/>
           <a:p>
-            <a:fld id="{15902C82-0408-4C13-AD6D-FE46FC884DDD}" type="slidenum">
+            <a:fld id="{EA186331-690F-4B60-A2FE-A282A0034E31}" type="slidenum">
               <a:rPr lang="zh-CN" altLang="en-US" smtClean="0"/>
               <a:t>‹#›</a:t>
             </a:fld>
@@ -1873,7 +1873,7 @@
     </p:spTree>
     <p:extLst>
       <p:ext uri="{BB962C8B-B14F-4D97-AF65-F5344CB8AC3E}">
-        <p14:creationId xmlns:p14="http://schemas.microsoft.com/office/powerpoint/2010/main" val="3378131369"/>
+        <p14:creationId xmlns:p14="http://schemas.microsoft.com/office/powerpoint/2010/main" val="1302991206"/>
       </p:ext>
     </p:extLst>
   </p:cSld>
@@ -1905,7 +1905,7 @@
           <p:cNvPr id="2" name="标题 1">
             <a:extLst>
               <a:ext uri="{FF2B5EF4-FFF2-40B4-BE49-F238E27FC236}">
-                <a16:creationId xmlns:a16="http://schemas.microsoft.com/office/drawing/2014/main" id="{656B011E-DE59-1CB2-52B2-BF8AE0669B1E}"/>
+                <a16:creationId xmlns:a16="http://schemas.microsoft.com/office/drawing/2014/main" id="{D41CCBA3-EE41-6280-36D9-399830592C9D}"/>
               </a:ext>
             </a:extLst>
           </p:cNvPr>
@@ -1933,7 +1933,7 @@
           <p:cNvPr id="3" name="日期占位符 2">
             <a:extLst>
               <a:ext uri="{FF2B5EF4-FFF2-40B4-BE49-F238E27FC236}">
-                <a16:creationId xmlns:a16="http://schemas.microsoft.com/office/drawing/2014/main" id="{E7F7D377-78E1-230A-8E84-7225CAD1B772}"/>
+                <a16:creationId xmlns:a16="http://schemas.microsoft.com/office/drawing/2014/main" id="{1D44A150-FC78-6CA6-3D46-8D9AC0EB0F9B}"/>
               </a:ext>
             </a:extLst>
           </p:cNvPr>
@@ -1949,7 +1949,7 @@
           <a:bodyPr/>
           <a:lstStyle/>
           <a:p>
-            <a:fld id="{2108A551-8173-4A48-8946-40B3C104A28D}" type="datetimeFigureOut">
+            <a:fld id="{2798170A-CF87-4381-9667-595D74A4D38D}" type="datetimeFigureOut">
               <a:rPr lang="zh-CN" altLang="en-US" smtClean="0"/>
               <a:t>2024/3/10</a:t>
             </a:fld>
@@ -1962,7 +1962,7 @@
           <p:cNvPr id="4" name="页脚占位符 3">
             <a:extLst>
               <a:ext uri="{FF2B5EF4-FFF2-40B4-BE49-F238E27FC236}">
-                <a16:creationId xmlns:a16="http://schemas.microsoft.com/office/drawing/2014/main" id="{6876535B-16DE-85E8-6B11-66F35BB55E5B}"/>
+                <a16:creationId xmlns:a16="http://schemas.microsoft.com/office/drawing/2014/main" id="{C18DF448-C098-A2D7-A0AD-91E0937D91B7}"/>
               </a:ext>
             </a:extLst>
           </p:cNvPr>
@@ -1987,7 +1987,7 @@
           <p:cNvPr id="5" name="灯片编号占位符 4">
             <a:extLst>
               <a:ext uri="{FF2B5EF4-FFF2-40B4-BE49-F238E27FC236}">
-                <a16:creationId xmlns:a16="http://schemas.microsoft.com/office/drawing/2014/main" id="{32F366C2-7894-8141-308B-FFC76E98794A}"/>
+                <a16:creationId xmlns:a16="http://schemas.microsoft.com/office/drawing/2014/main" id="{FF689EE9-FB20-6A14-583C-BBD13C2EC77A}"/>
               </a:ext>
             </a:extLst>
           </p:cNvPr>
@@ -2003,7 +2003,7 @@
           <a:bodyPr/>
           <a:lstStyle/>
           <a:p>
-            <a:fld id="{15902C82-0408-4C13-AD6D-FE46FC884DDD}" type="slidenum">
+            <a:fld id="{EA186331-690F-4B60-A2FE-A282A0034E31}" type="slidenum">
               <a:rPr lang="zh-CN" altLang="en-US" smtClean="0"/>
               <a:t>‹#›</a:t>
             </a:fld>
@@ -2014,7 +2014,7 @@
     </p:spTree>
     <p:extLst>
       <p:ext uri="{BB962C8B-B14F-4D97-AF65-F5344CB8AC3E}">
-        <p14:creationId xmlns:p14="http://schemas.microsoft.com/office/powerpoint/2010/main" val="716638209"/>
+        <p14:creationId xmlns:p14="http://schemas.microsoft.com/office/powerpoint/2010/main" val="1625321980"/>
       </p:ext>
     </p:extLst>
   </p:cSld>
@@ -2046,7 +2046,7 @@
           <p:cNvPr id="2" name="日期占位符 1">
             <a:extLst>
               <a:ext uri="{FF2B5EF4-FFF2-40B4-BE49-F238E27FC236}">
-                <a16:creationId xmlns:a16="http://schemas.microsoft.com/office/drawing/2014/main" id="{5D5D6C5A-5542-5002-E012-2B69F5DE7869}"/>
+                <a16:creationId xmlns:a16="http://schemas.microsoft.com/office/drawing/2014/main" id="{359D7FAC-AD84-C819-2A6C-608040A4DC1F}"/>
               </a:ext>
             </a:extLst>
           </p:cNvPr>
@@ -2062,7 +2062,7 @@
           <a:bodyPr/>
           <a:lstStyle/>
           <a:p>
-            <a:fld id="{2108A551-8173-4A48-8946-40B3C104A28D}" type="datetimeFigureOut">
+            <a:fld id="{2798170A-CF87-4381-9667-595D74A4D38D}" type="datetimeFigureOut">
               <a:rPr lang="zh-CN" altLang="en-US" smtClean="0"/>
               <a:t>2024/3/10</a:t>
             </a:fld>
@@ -2075,7 +2075,7 @@
           <p:cNvPr id="3" name="页脚占位符 2">
             <a:extLst>
               <a:ext uri="{FF2B5EF4-FFF2-40B4-BE49-F238E27FC236}">
-                <a16:creationId xmlns:a16="http://schemas.microsoft.com/office/drawing/2014/main" id="{7A8D1495-726F-45F9-9B8B-55A958EC4BDD}"/>
+                <a16:creationId xmlns:a16="http://schemas.microsoft.com/office/drawing/2014/main" id="{E00BA3A2-BE34-9691-4409-272EED1BB365}"/>
               </a:ext>
             </a:extLst>
           </p:cNvPr>
@@ -2100,7 +2100,7 @@
           <p:cNvPr id="4" name="灯片编号占位符 3">
             <a:extLst>
               <a:ext uri="{FF2B5EF4-FFF2-40B4-BE49-F238E27FC236}">
-                <a16:creationId xmlns:a16="http://schemas.microsoft.com/office/drawing/2014/main" id="{77E4CAE5-7703-1AE6-21F8-F998FF190C77}"/>
+                <a16:creationId xmlns:a16="http://schemas.microsoft.com/office/drawing/2014/main" id="{07624F10-2867-FB1A-35D9-BA67930D7DB5}"/>
               </a:ext>
             </a:extLst>
           </p:cNvPr>
@@ -2116,7 +2116,7 @@
           <a:bodyPr/>
           <a:lstStyle/>
           <a:p>
-            <a:fld id="{15902C82-0408-4C13-AD6D-FE46FC884DDD}" type="slidenum">
+            <a:fld id="{EA186331-690F-4B60-A2FE-A282A0034E31}" type="slidenum">
               <a:rPr lang="zh-CN" altLang="en-US" smtClean="0"/>
               <a:t>‹#›</a:t>
             </a:fld>
@@ -2127,7 +2127,7 @@
     </p:spTree>
     <p:extLst>
       <p:ext uri="{BB962C8B-B14F-4D97-AF65-F5344CB8AC3E}">
-        <p14:creationId xmlns:p14="http://schemas.microsoft.com/office/powerpoint/2010/main" val="3675949464"/>
+        <p14:creationId xmlns:p14="http://schemas.microsoft.com/office/powerpoint/2010/main" val="1356202770"/>
       </p:ext>
     </p:extLst>
   </p:cSld>
@@ -2159,7 +2159,7 @@
           <p:cNvPr id="2" name="标题 1">
             <a:extLst>
               <a:ext uri="{FF2B5EF4-FFF2-40B4-BE49-F238E27FC236}">
-                <a16:creationId xmlns:a16="http://schemas.microsoft.com/office/drawing/2014/main" id="{1D7D95E2-8868-C982-BC4E-85FDF567D145}"/>
+                <a16:creationId xmlns:a16="http://schemas.microsoft.com/office/drawing/2014/main" id="{9C873EB7-37BB-5150-DD26-F6154974E7F3}"/>
               </a:ext>
             </a:extLst>
           </p:cNvPr>
@@ -2196,7 +2196,7 @@
           <p:cNvPr id="3" name="内容占位符 2">
             <a:extLst>
               <a:ext uri="{FF2B5EF4-FFF2-40B4-BE49-F238E27FC236}">
-                <a16:creationId xmlns:a16="http://schemas.microsoft.com/office/drawing/2014/main" id="{D30A203C-B8DE-B1CF-BBB8-D4102D34CB5E}"/>
+                <a16:creationId xmlns:a16="http://schemas.microsoft.com/office/drawing/2014/main" id="{924B99B6-0DB9-99AD-D558-99DCD1E5E4CD}"/>
               </a:ext>
             </a:extLst>
           </p:cNvPr>
@@ -2286,7 +2286,7 @@
           <p:cNvPr id="4" name="文本占位符 3">
             <a:extLst>
               <a:ext uri="{FF2B5EF4-FFF2-40B4-BE49-F238E27FC236}">
-                <a16:creationId xmlns:a16="http://schemas.microsoft.com/office/drawing/2014/main" id="{39EAFC94-3616-32E9-E8FA-208C78548614}"/>
+                <a16:creationId xmlns:a16="http://schemas.microsoft.com/office/drawing/2014/main" id="{4F4F9A82-3C17-F0F4-298E-49E2967E4C24}"/>
               </a:ext>
             </a:extLst>
           </p:cNvPr>
@@ -2357,7 +2357,7 @@
           <p:cNvPr id="5" name="日期占位符 4">
             <a:extLst>
               <a:ext uri="{FF2B5EF4-FFF2-40B4-BE49-F238E27FC236}">
-                <a16:creationId xmlns:a16="http://schemas.microsoft.com/office/drawing/2014/main" id="{522C6682-7027-106D-B364-EC7F85AE6115}"/>
+                <a16:creationId xmlns:a16="http://schemas.microsoft.com/office/drawing/2014/main" id="{8E73FBA3-49C8-4628-FA54-EAA570634D70}"/>
               </a:ext>
             </a:extLst>
           </p:cNvPr>
@@ -2373,7 +2373,7 @@
           <a:bodyPr/>
           <a:lstStyle/>
           <a:p>
-            <a:fld id="{2108A551-8173-4A48-8946-40B3C104A28D}" type="datetimeFigureOut">
+            <a:fld id="{2798170A-CF87-4381-9667-595D74A4D38D}" type="datetimeFigureOut">
               <a:rPr lang="zh-CN" altLang="en-US" smtClean="0"/>
               <a:t>2024/3/10</a:t>
             </a:fld>
@@ -2386,7 +2386,7 @@
           <p:cNvPr id="6" name="页脚占位符 5">
             <a:extLst>
               <a:ext uri="{FF2B5EF4-FFF2-40B4-BE49-F238E27FC236}">
-                <a16:creationId xmlns:a16="http://schemas.microsoft.com/office/drawing/2014/main" id="{F9F045FC-AC4C-8736-2C82-1E69344507B1}"/>
+                <a16:creationId xmlns:a16="http://schemas.microsoft.com/office/drawing/2014/main" id="{B9A739B1-051A-2791-4570-730DCFA49B48}"/>
               </a:ext>
             </a:extLst>
           </p:cNvPr>
@@ -2411,7 +2411,7 @@
           <p:cNvPr id="7" name="灯片编号占位符 6">
             <a:extLst>
               <a:ext uri="{FF2B5EF4-FFF2-40B4-BE49-F238E27FC236}">
-                <a16:creationId xmlns:a16="http://schemas.microsoft.com/office/drawing/2014/main" id="{34646FB7-3E14-3BE7-0175-C2D5C35E2AD1}"/>
+                <a16:creationId xmlns:a16="http://schemas.microsoft.com/office/drawing/2014/main" id="{43C306E9-931F-CA45-F6D1-0639F5A4F10D}"/>
               </a:ext>
             </a:extLst>
           </p:cNvPr>
@@ -2427,7 +2427,7 @@
           <a:bodyPr/>
           <a:lstStyle/>
           <a:p>
-            <a:fld id="{15902C82-0408-4C13-AD6D-FE46FC884DDD}" type="slidenum">
+            <a:fld id="{EA186331-690F-4B60-A2FE-A282A0034E31}" type="slidenum">
               <a:rPr lang="zh-CN" altLang="en-US" smtClean="0"/>
               <a:t>‹#›</a:t>
             </a:fld>
@@ -2438,7 +2438,7 @@
     </p:spTree>
     <p:extLst>
       <p:ext uri="{BB962C8B-B14F-4D97-AF65-F5344CB8AC3E}">
-        <p14:creationId xmlns:p14="http://schemas.microsoft.com/office/powerpoint/2010/main" val="2565601911"/>
+        <p14:creationId xmlns:p14="http://schemas.microsoft.com/office/powerpoint/2010/main" val="4148922201"/>
       </p:ext>
     </p:extLst>
   </p:cSld>
@@ -2470,7 +2470,7 @@
           <p:cNvPr id="2" name="标题 1">
             <a:extLst>
               <a:ext uri="{FF2B5EF4-FFF2-40B4-BE49-F238E27FC236}">
-                <a16:creationId xmlns:a16="http://schemas.microsoft.com/office/drawing/2014/main" id="{F2977358-61E2-754C-79B5-418B06C740DD}"/>
+                <a16:creationId xmlns:a16="http://schemas.microsoft.com/office/drawing/2014/main" id="{4D20CD42-E7E9-AFD8-74DE-394601C603D8}"/>
               </a:ext>
             </a:extLst>
           </p:cNvPr>
@@ -2507,7 +2507,7 @@
           <p:cNvPr id="3" name="图片占位符 2">
             <a:extLst>
               <a:ext uri="{FF2B5EF4-FFF2-40B4-BE49-F238E27FC236}">
-                <a16:creationId xmlns:a16="http://schemas.microsoft.com/office/drawing/2014/main" id="{8E63FEB2-AB8C-B312-FD81-468E1244B270}"/>
+                <a16:creationId xmlns:a16="http://schemas.microsoft.com/office/drawing/2014/main" id="{A78AFB47-7A2D-5F59-1945-A8B8A2012946}"/>
               </a:ext>
             </a:extLst>
           </p:cNvPr>
@@ -2574,7 +2574,7 @@
           <p:cNvPr id="4" name="文本占位符 3">
             <a:extLst>
               <a:ext uri="{FF2B5EF4-FFF2-40B4-BE49-F238E27FC236}">
-                <a16:creationId xmlns:a16="http://schemas.microsoft.com/office/drawing/2014/main" id="{5DED4F91-69F8-7A51-FCB7-F7F93571F43A}"/>
+                <a16:creationId xmlns:a16="http://schemas.microsoft.com/office/drawing/2014/main" id="{9E5F706F-CCF2-AE6F-38A6-3D2B9B615F4B}"/>
               </a:ext>
             </a:extLst>
           </p:cNvPr>
@@ -2645,7 +2645,7 @@
           <p:cNvPr id="5" name="日期占位符 4">
             <a:extLst>
               <a:ext uri="{FF2B5EF4-FFF2-40B4-BE49-F238E27FC236}">
-                <a16:creationId xmlns:a16="http://schemas.microsoft.com/office/drawing/2014/main" id="{85F78486-B6E1-B8A3-9C22-A81DA22DA87A}"/>
+                <a16:creationId xmlns:a16="http://schemas.microsoft.com/office/drawing/2014/main" id="{C79C092E-BF02-6A30-3615-4FB12AACF5F1}"/>
               </a:ext>
             </a:extLst>
           </p:cNvPr>
@@ -2661,7 +2661,7 @@
           <a:bodyPr/>
           <a:lstStyle/>
           <a:p>
-            <a:fld id="{2108A551-8173-4A48-8946-40B3C104A28D}" type="datetimeFigureOut">
+            <a:fld id="{2798170A-CF87-4381-9667-595D74A4D38D}" type="datetimeFigureOut">
               <a:rPr lang="zh-CN" altLang="en-US" smtClean="0"/>
               <a:t>2024/3/10</a:t>
             </a:fld>
@@ -2674,7 +2674,7 @@
           <p:cNvPr id="6" name="页脚占位符 5">
             <a:extLst>
               <a:ext uri="{FF2B5EF4-FFF2-40B4-BE49-F238E27FC236}">
-                <a16:creationId xmlns:a16="http://schemas.microsoft.com/office/drawing/2014/main" id="{56557677-3A8A-3231-810D-B1B8F9322B60}"/>
+                <a16:creationId xmlns:a16="http://schemas.microsoft.com/office/drawing/2014/main" id="{1BAB869A-0131-1E46-F0C9-6F2F5FD29A37}"/>
               </a:ext>
             </a:extLst>
           </p:cNvPr>
@@ -2699,7 +2699,7 @@
           <p:cNvPr id="7" name="灯片编号占位符 6">
             <a:extLst>
               <a:ext uri="{FF2B5EF4-FFF2-40B4-BE49-F238E27FC236}">
-                <a16:creationId xmlns:a16="http://schemas.microsoft.com/office/drawing/2014/main" id="{D2D32303-D12E-61B8-92D6-C75A70472F2B}"/>
+                <a16:creationId xmlns:a16="http://schemas.microsoft.com/office/drawing/2014/main" id="{5F7C3AD3-4837-CF0D-7819-726367357F85}"/>
               </a:ext>
             </a:extLst>
           </p:cNvPr>
@@ -2715,7 +2715,7 @@
           <a:bodyPr/>
           <a:lstStyle/>
           <a:p>
-            <a:fld id="{15902C82-0408-4C13-AD6D-FE46FC884DDD}" type="slidenum">
+            <a:fld id="{EA186331-690F-4B60-A2FE-A282A0034E31}" type="slidenum">
               <a:rPr lang="zh-CN" altLang="en-US" smtClean="0"/>
               <a:t>‹#›</a:t>
             </a:fld>
@@ -2726,7 +2726,7 @@
     </p:spTree>
     <p:extLst>
       <p:ext uri="{BB962C8B-B14F-4D97-AF65-F5344CB8AC3E}">
-        <p14:creationId xmlns:p14="http://schemas.microsoft.com/office/powerpoint/2010/main" val="1872896949"/>
+        <p14:creationId xmlns:p14="http://schemas.microsoft.com/office/powerpoint/2010/main" val="1235494338"/>
       </p:ext>
     </p:extLst>
   </p:cSld>
@@ -2763,7 +2763,7 @@
           <p:cNvPr id="2" name="标题占位符 1">
             <a:extLst>
               <a:ext uri="{FF2B5EF4-FFF2-40B4-BE49-F238E27FC236}">
-                <a16:creationId xmlns:a16="http://schemas.microsoft.com/office/drawing/2014/main" id="{E65FA417-9582-E32A-C7FB-F7E389718FBD}"/>
+                <a16:creationId xmlns:a16="http://schemas.microsoft.com/office/drawing/2014/main" id="{7EA24CF9-FD1B-BDED-CB46-36710EF1A4B6}"/>
               </a:ext>
             </a:extLst>
           </p:cNvPr>
@@ -2801,7 +2801,7 @@
           <p:cNvPr id="3" name="文本占位符 2">
             <a:extLst>
               <a:ext uri="{FF2B5EF4-FFF2-40B4-BE49-F238E27FC236}">
-                <a16:creationId xmlns:a16="http://schemas.microsoft.com/office/drawing/2014/main" id="{96C65E1D-1C59-4FF1-FA56-B13F0FC3FBE2}"/>
+                <a16:creationId xmlns:a16="http://schemas.microsoft.com/office/drawing/2014/main" id="{55481EA5-A4B6-DD48-2C86-4679AD56E5DB}"/>
               </a:ext>
             </a:extLst>
           </p:cNvPr>
@@ -2868,7 +2868,7 @@
           <p:cNvPr id="4" name="日期占位符 3">
             <a:extLst>
               <a:ext uri="{FF2B5EF4-FFF2-40B4-BE49-F238E27FC236}">
-                <a16:creationId xmlns:a16="http://schemas.microsoft.com/office/drawing/2014/main" id="{356540C2-8BBA-92E0-7260-CEBAE09A5E16}"/>
+                <a16:creationId xmlns:a16="http://schemas.microsoft.com/office/drawing/2014/main" id="{83671E60-82B5-6257-3471-1D0320005726}"/>
               </a:ext>
             </a:extLst>
           </p:cNvPr>
@@ -2902,7 +2902,7 @@
             </a:lvl1pPr>
           </a:lstStyle>
           <a:p>
-            <a:fld id="{2108A551-8173-4A48-8946-40B3C104A28D}" type="datetimeFigureOut">
+            <a:fld id="{2798170A-CF87-4381-9667-595D74A4D38D}" type="datetimeFigureOut">
               <a:rPr lang="zh-CN" altLang="en-US" smtClean="0"/>
               <a:t>2024/3/10</a:t>
             </a:fld>
@@ -2915,7 +2915,7 @@
           <p:cNvPr id="5" name="页脚占位符 4">
             <a:extLst>
               <a:ext uri="{FF2B5EF4-FFF2-40B4-BE49-F238E27FC236}">
-                <a16:creationId xmlns:a16="http://schemas.microsoft.com/office/drawing/2014/main" id="{BC09992A-0777-80DD-45F6-D2F148FB8DF8}"/>
+                <a16:creationId xmlns:a16="http://schemas.microsoft.com/office/drawing/2014/main" id="{0FB5A505-6DC4-8AC7-FD6A-14B158C30E1F}"/>
               </a:ext>
             </a:extLst>
           </p:cNvPr>
@@ -2958,7 +2958,7 @@
           <p:cNvPr id="6" name="灯片编号占位符 5">
             <a:extLst>
               <a:ext uri="{FF2B5EF4-FFF2-40B4-BE49-F238E27FC236}">
-                <a16:creationId xmlns:a16="http://schemas.microsoft.com/office/drawing/2014/main" id="{DD540B66-B6CD-1075-663E-5CE785BE8C57}"/>
+                <a16:creationId xmlns:a16="http://schemas.microsoft.com/office/drawing/2014/main" id="{DE73FEAB-055D-B36B-ED79-21E8BACB1ECE}"/>
               </a:ext>
             </a:extLst>
           </p:cNvPr>
@@ -2992,7 +2992,7 @@
             </a:lvl1pPr>
           </a:lstStyle>
           <a:p>
-            <a:fld id="{15902C82-0408-4C13-AD6D-FE46FC884DDD}" type="slidenum">
+            <a:fld id="{EA186331-690F-4B60-A2FE-A282A0034E31}" type="slidenum">
               <a:rPr lang="zh-CN" altLang="en-US" smtClean="0"/>
               <a:t>‹#›</a:t>
             </a:fld>
@@ -3003,7 +3003,7 @@
     </p:spTree>
     <p:extLst>
       <p:ext uri="{BB962C8B-B14F-4D97-AF65-F5344CB8AC3E}">
-        <p14:creationId xmlns:p14="http://schemas.microsoft.com/office/powerpoint/2010/main" val="433748278"/>
+        <p14:creationId xmlns:p14="http://schemas.microsoft.com/office/powerpoint/2010/main" val="4204212822"/>
       </p:ext>
     </p:extLst>
   </p:cSld>
